--- a/Assignment_1/Plots/Rebanada.pptx
+++ b/Assignment_1/Plots/Rebanada.pptx
@@ -104,6 +104,11 @@
       </a:defRPr>
     </a:lvl9pPr>
   </p:defaultTextStyle>
+  <p:extLst>
+    <p:ext uri="{EFAFB233-063F-42B5-8137-9DF3F51BA10A}">
+      <p15:sldGuideLst xmlns:p15="http://schemas.microsoft.com/office/powerpoint/2012/main"/>
+    </p:ext>
+  </p:extLst>
 </p:presentation>
 </file>
 
@@ -256,7 +261,7 @@
           <a:p>
             <a:fld id="{8057162A-1FEB-4BD9-A93E-0FD00D5C47E7}" type="datetimeFigureOut">
               <a:rPr lang="es-ES" smtClean="0"/>
-              <a:t>13/10/2024</a:t>
+              <a:t>20/10/2024</a:t>
             </a:fld>
             <a:endParaRPr lang="es-ES"/>
           </a:p>
@@ -456,7 +461,7 @@
           <a:p>
             <a:fld id="{8057162A-1FEB-4BD9-A93E-0FD00D5C47E7}" type="datetimeFigureOut">
               <a:rPr lang="es-ES" smtClean="0"/>
-              <a:t>13/10/2024</a:t>
+              <a:t>20/10/2024</a:t>
             </a:fld>
             <a:endParaRPr lang="es-ES"/>
           </a:p>
@@ -666,7 +671,7 @@
           <a:p>
             <a:fld id="{8057162A-1FEB-4BD9-A93E-0FD00D5C47E7}" type="datetimeFigureOut">
               <a:rPr lang="es-ES" smtClean="0"/>
-              <a:t>13/10/2024</a:t>
+              <a:t>20/10/2024</a:t>
             </a:fld>
             <a:endParaRPr lang="es-ES"/>
           </a:p>
@@ -866,7 +871,7 @@
           <a:p>
             <a:fld id="{8057162A-1FEB-4BD9-A93E-0FD00D5C47E7}" type="datetimeFigureOut">
               <a:rPr lang="es-ES" smtClean="0"/>
-              <a:t>13/10/2024</a:t>
+              <a:t>20/10/2024</a:t>
             </a:fld>
             <a:endParaRPr lang="es-ES"/>
           </a:p>
@@ -1142,7 +1147,7 @@
           <a:p>
             <a:fld id="{8057162A-1FEB-4BD9-A93E-0FD00D5C47E7}" type="datetimeFigureOut">
               <a:rPr lang="es-ES" smtClean="0"/>
-              <a:t>13/10/2024</a:t>
+              <a:t>20/10/2024</a:t>
             </a:fld>
             <a:endParaRPr lang="es-ES"/>
           </a:p>
@@ -1410,7 +1415,7 @@
           <a:p>
             <a:fld id="{8057162A-1FEB-4BD9-A93E-0FD00D5C47E7}" type="datetimeFigureOut">
               <a:rPr lang="es-ES" smtClean="0"/>
-              <a:t>13/10/2024</a:t>
+              <a:t>20/10/2024</a:t>
             </a:fld>
             <a:endParaRPr lang="es-ES"/>
           </a:p>
@@ -1825,7 +1830,7 @@
           <a:p>
             <a:fld id="{8057162A-1FEB-4BD9-A93E-0FD00D5C47E7}" type="datetimeFigureOut">
               <a:rPr lang="es-ES" smtClean="0"/>
-              <a:t>13/10/2024</a:t>
+              <a:t>20/10/2024</a:t>
             </a:fld>
             <a:endParaRPr lang="es-ES"/>
           </a:p>
@@ -1967,7 +1972,7 @@
           <a:p>
             <a:fld id="{8057162A-1FEB-4BD9-A93E-0FD00D5C47E7}" type="datetimeFigureOut">
               <a:rPr lang="es-ES" smtClean="0"/>
-              <a:t>13/10/2024</a:t>
+              <a:t>20/10/2024</a:t>
             </a:fld>
             <a:endParaRPr lang="es-ES"/>
           </a:p>
@@ -2080,7 +2085,7 @@
           <a:p>
             <a:fld id="{8057162A-1FEB-4BD9-A93E-0FD00D5C47E7}" type="datetimeFigureOut">
               <a:rPr lang="es-ES" smtClean="0"/>
-              <a:t>13/10/2024</a:t>
+              <a:t>20/10/2024</a:t>
             </a:fld>
             <a:endParaRPr lang="es-ES"/>
           </a:p>
@@ -2393,7 +2398,7 @@
           <a:p>
             <a:fld id="{8057162A-1FEB-4BD9-A93E-0FD00D5C47E7}" type="datetimeFigureOut">
               <a:rPr lang="es-ES" smtClean="0"/>
-              <a:t>13/10/2024</a:t>
+              <a:t>20/10/2024</a:t>
             </a:fld>
             <a:endParaRPr lang="es-ES"/>
           </a:p>
@@ -2682,7 +2687,7 @@
           <a:p>
             <a:fld id="{8057162A-1FEB-4BD9-A93E-0FD00D5C47E7}" type="datetimeFigureOut">
               <a:rPr lang="es-ES" smtClean="0"/>
-              <a:t>13/10/2024</a:t>
+              <a:t>20/10/2024</a:t>
             </a:fld>
             <a:endParaRPr lang="es-ES"/>
           </a:p>
@@ -2925,7 +2930,7 @@
           <a:p>
             <a:fld id="{8057162A-1FEB-4BD9-A93E-0FD00D5C47E7}" type="datetimeFigureOut">
               <a:rPr lang="es-ES" smtClean="0"/>
-              <a:t>13/10/2024</a:t>
+              <a:t>20/10/2024</a:t>
             </a:fld>
             <a:endParaRPr lang="es-ES"/>
           </a:p>
@@ -3594,8 +3599,8 @@
           </a:fontRef>
         </p:style>
       </p:cxnSp>
-      <mc:AlternateContent xmlns:mc="http://schemas.openxmlformats.org/markup-compatibility/2006">
-        <mc:Choice xmlns:a14="http://schemas.microsoft.com/office/drawing/2010/main" Requires="a14">
+      <mc:AlternateContent xmlns:mc="http://schemas.openxmlformats.org/markup-compatibility/2006" xmlns:a14="http://schemas.microsoft.com/office/drawing/2010/main">
+        <mc:Choice Requires="a14">
           <p:sp>
             <p:nvSpPr>
               <p:cNvPr id="13" name="TextBox 12">
@@ -3624,6 +3629,7 @@
               </a:bodyPr>
               <a:lstStyle/>
               <a:p>
+                <a:pPr/>
                 <a14:m>
                   <m:oMathPara xmlns:m="http://schemas.openxmlformats.org/officeDocument/2006/math">
                     <m:oMathParaPr>
@@ -3662,7 +3668,7 @@
             </p:txBody>
           </p:sp>
         </mc:Choice>
-        <mc:Fallback>
+        <mc:Fallback xmlns="">
           <p:sp>
             <p:nvSpPr>
               <p:cNvPr id="13" name="TextBox 12">
@@ -3795,8 +3801,8 @@
           </a:fontRef>
         </p:style>
       </p:cxnSp>
-      <mc:AlternateContent xmlns:mc="http://schemas.openxmlformats.org/markup-compatibility/2006">
-        <mc:Choice xmlns:a14="http://schemas.microsoft.com/office/drawing/2010/main" Requires="a14">
+      <mc:AlternateContent xmlns:mc="http://schemas.openxmlformats.org/markup-compatibility/2006" xmlns:a14="http://schemas.microsoft.com/office/drawing/2010/main">
+        <mc:Choice Requires="a14">
           <p:sp>
             <p:nvSpPr>
               <p:cNvPr id="20" name="TextBox 19">
@@ -3825,6 +3831,7 @@
               </a:bodyPr>
               <a:lstStyle/>
               <a:p>
+                <a:pPr/>
                 <a14:m>
                   <m:oMathPara xmlns:m="http://schemas.openxmlformats.org/officeDocument/2006/math">
                     <m:oMathParaPr>
@@ -3846,7 +3853,7 @@
             </p:txBody>
           </p:sp>
         </mc:Choice>
-        <mc:Fallback>
+        <mc:Fallback xmlns="">
           <p:sp>
             <p:nvSpPr>
               <p:cNvPr id="20" name="TextBox 19">
@@ -3921,6 +3928,7 @@
               </a:bodyPr>
               <a:lstStyle/>
               <a:p>
+                <a:pPr/>
                 <a14:m>
                   <m:oMathPara xmlns:m="http://schemas.openxmlformats.org/officeDocument/2006/math">
                     <m:oMathParaPr>
@@ -3976,6 +3984,13 @@
                           </m:r>
                         </m:den>
                       </m:f>
+                      <m:r>
+                        <a:rPr lang="es-ES" b="0" i="1" smtClean="0">
+                          <a:latin typeface="Cambria Math" panose="02040503050406030204" pitchFamily="18" charset="0"/>
+                          <a:ea typeface="Cambria Math" panose="02040503050406030204" pitchFamily="18" charset="0"/>
+                        </a:rPr>
+                        <m:t>𝑑𝑥</m:t>
+                      </m:r>
                     </m:oMath>
                   </m:oMathPara>
                 </a14:m>
@@ -4019,7 +4034,7 @@
               <a:lstStyle/>
               <a:p>
                 <a:r>
-                  <a:rPr lang="es-ES">
+                  <a:rPr lang="en-GB">
                     <a:noFill/>
                   </a:rPr>
                   <a:t> </a:t>
@@ -4029,8 +4044,8 @@
           </p:sp>
         </mc:Fallback>
       </mc:AlternateContent>
-      <mc:AlternateContent xmlns:mc="http://schemas.openxmlformats.org/markup-compatibility/2006">
-        <mc:Choice xmlns:a14="http://schemas.microsoft.com/office/drawing/2010/main" Requires="a14">
+      <mc:AlternateContent xmlns:mc="http://schemas.openxmlformats.org/markup-compatibility/2006" xmlns:a14="http://schemas.microsoft.com/office/drawing/2010/main">
+        <mc:Choice Requires="a14">
           <p:sp>
             <p:nvSpPr>
               <p:cNvPr id="22" name="TextBox 21">
@@ -4067,6 +4082,7 @@
               </a:bodyPr>
               <a:lstStyle/>
               <a:p>
+                <a:pPr/>
                 <a14:m>
                   <m:oMathPara xmlns:m="http://schemas.openxmlformats.org/officeDocument/2006/math">
                     <m:oMathParaPr>
@@ -4109,6 +4125,7 @@
                 </a:endParaRPr>
               </a:p>
               <a:p>
+                <a:pPr/>
                 <a14:m>
                   <m:oMathPara xmlns:m="http://schemas.openxmlformats.org/officeDocument/2006/math">
                     <m:oMathParaPr>
@@ -4239,6 +4256,7 @@
                 <a:endParaRPr lang="es-ES" dirty="0"/>
               </a:p>
               <a:p>
+                <a:pPr/>
                 <a14:m>
                   <m:oMathPara xmlns:m="http://schemas.openxmlformats.org/officeDocument/2006/math">
                     <m:oMathParaPr>
@@ -4328,6 +4346,7 @@
                 </a:endParaRPr>
               </a:p>
               <a:p>
+                <a:pPr/>
                 <a14:m>
                   <m:oMathPara xmlns:m="http://schemas.openxmlformats.org/officeDocument/2006/math">
                     <m:oMathParaPr>
@@ -4348,7 +4367,7 @@
             </p:txBody>
           </p:sp>
         </mc:Choice>
-        <mc:Fallback>
+        <mc:Fallback xmlns="">
           <p:sp>
             <p:nvSpPr>
               <p:cNvPr id="22" name="TextBox 21">
